--- a/GroupProject_Zach_Ethan_Nicole/Presentation .pptx
+++ b/GroupProject_Zach_Ethan_Nicole/Presentation .pptx
@@ -105,7 +105,41 @@
       </a:defRPr>
     </a:lvl9pPr>
   </p:defaultTextStyle>
+  <p:extLst>
+    <p:ext uri="{EFAFB233-063F-42B5-8137-9DF3F51BA10A}">
+      <p15:sldGuideLst xmlns:p15="http://schemas.microsoft.com/office/powerpoint/2012/main"/>
+    </p:ext>
+  </p:extLst>
 </p:presentation>
+</file>
+
+<file path=ppt/changesInfos/changesInfo1.xml><?xml version="1.0" encoding="utf-8"?>
+<pc:chgInfo xmlns:a="http://schemas.openxmlformats.org/drawingml/2006/main" xmlns:r="http://schemas.openxmlformats.org/officeDocument/2006/relationships" xmlns:ac="http://schemas.microsoft.com/office/drawing/2013/main/command" xmlns:pc="http://schemas.microsoft.com/office/powerpoint/2013/main/command">
+  <pc:docChgLst>
+    <pc:chgData name="Nicole Morrison" userId="13384f99b8b0c7ea" providerId="LiveId" clId="{C7AB84B0-E349-44F2-B4CE-860E49B15CFF}"/>
+    <pc:docChg chg="custSel modSld">
+      <pc:chgData name="Nicole Morrison" userId="13384f99b8b0c7ea" providerId="LiveId" clId="{C7AB84B0-E349-44F2-B4CE-860E49B15CFF}" dt="2020-11-24T23:33:13.149" v="89" actId="20577"/>
+      <pc:docMkLst>
+        <pc:docMk/>
+      </pc:docMkLst>
+      <pc:sldChg chg="modSp mod">
+        <pc:chgData name="Nicole Morrison" userId="13384f99b8b0c7ea" providerId="LiveId" clId="{C7AB84B0-E349-44F2-B4CE-860E49B15CFF}" dt="2020-11-24T23:33:13.149" v="89" actId="20577"/>
+        <pc:sldMkLst>
+          <pc:docMk/>
+          <pc:sldMk cId="583153929" sldId="257"/>
+        </pc:sldMkLst>
+        <pc:spChg chg="mod">
+          <ac:chgData name="Nicole Morrison" userId="13384f99b8b0c7ea" providerId="LiveId" clId="{C7AB84B0-E349-44F2-B4CE-860E49B15CFF}" dt="2020-11-24T23:33:13.149" v="89" actId="20577"/>
+          <ac:spMkLst>
+            <pc:docMk/>
+            <pc:sldMk cId="583153929" sldId="257"/>
+            <ac:spMk id="3" creationId="{9F17DE15-999A-4954-AC21-F526D6D4D1B8}"/>
+          </ac:spMkLst>
+        </pc:spChg>
+      </pc:sldChg>
+    </pc:docChg>
+  </pc:docChgLst>
+</pc:chgInfo>
 </file>
 
 <file path=ppt/slideLayouts/slideLayout1.xml><?xml version="1.0" encoding="utf-8"?>
@@ -17450,7 +17484,30 @@
           <a:bodyPr/>
           <a:lstStyle/>
           <a:p>
-            <a:endParaRPr lang="en-US"/>
+            <a:r>
+              <a:rPr lang="en-US" dirty="0"/>
+              <a:t>Contrast between two maps </a:t>
+            </a:r>
+          </a:p>
+          <a:p>
+            <a:r>
+              <a:rPr lang="en-US" dirty="0"/>
+              <a:t>Purpose of </a:t>
+            </a:r>
+            <a:r>
+              <a:rPr lang="en-US"/>
+              <a:t>map </a:t>
+            </a:r>
+            <a:endParaRPr lang="en-US" dirty="0"/>
+          </a:p>
+          <a:p>
+            <a:r>
+              <a:rPr lang="en-US" dirty="0"/>
+              <a:t>Inclusion of map elements and why </a:t>
+            </a:r>
+          </a:p>
+          <a:p>
+            <a:endParaRPr lang="en-US" dirty="0"/>
           </a:p>
         </p:txBody>
       </p:sp>
